--- a/Yanhong Wang/2020/20200226 lstm prune and effective conflicts permitted.pptx
+++ b/Yanhong Wang/2020/20200226 lstm prune and effective conflicts permitted.pptx
@@ -229,7 +229,7 @@
           <a:p>
             <a:fld id="{B478E0E4-DC06-4041-AFA7-BB6F527FFA3F}" type="datetimeFigureOut">
               <a:rPr lang="zh-CN" altLang="en-US" smtClean="0"/>
-              <a:t>2020/2/27</a:t>
+              <a:t>2020/3/5</a:t>
             </a:fld>
             <a:endParaRPr lang="zh-CN" altLang="en-US"/>
           </a:p>
@@ -406,7 +406,7 @@
           <a:p>
             <a:fld id="{E86D8963-CFCD-4740-AF60-049850373CDF}" type="datetimeFigureOut">
               <a:rPr lang="zh-CN" altLang="en-US" smtClean="0"/>
-              <a:t>2020/2/27</a:t>
+              <a:t>2020/3/5</a:t>
             </a:fld>
             <a:endParaRPr lang="zh-CN" altLang="en-US"/>
           </a:p>
@@ -3189,7 +3189,7 @@
           <a:graphicData uri="http://schemas.openxmlformats.org/presentationml/2006/ole">
             <mc:AlternateContent xmlns:mc="http://schemas.openxmlformats.org/markup-compatibility/2006">
               <mc:Choice xmlns:v="urn:schemas-microsoft-com:vml" Requires="v">
-                <p:oleObj spid="_x0000_s1058" name="think-cell Slide" r:id="rId6" imgW="347" imgH="348" progId="TCLayout.ActiveDocument.1">
+                <p:oleObj spid="_x0000_s1061" name="think-cell Slide" r:id="rId6" imgW="347" imgH="348" progId="TCLayout.ActiveDocument.1">
                   <p:embed/>
                 </p:oleObj>
               </mc:Choice>
